--- a/M1/slide_0520/20200520_urita_eng.pptx
+++ b/M1/slide_0520/20200520_urita_eng.pptx
@@ -34,10 +34,9 @@
     <p:sldId id="288" r:id="rId28"/>
     <p:sldId id="282" r:id="rId29"/>
     <p:sldId id="281" r:id="rId30"/>
-    <p:sldId id="289" r:id="rId31"/>
-    <p:sldId id="291" r:id="rId32"/>
-    <p:sldId id="290" r:id="rId33"/>
-    <p:sldId id="292" r:id="rId34"/>
+    <p:sldId id="291" r:id="rId31"/>
+    <p:sldId id="290" r:id="rId32"/>
+    <p:sldId id="292" r:id="rId33"/>
   </p:sldIdLst>
   <p:sldSz cx="9144000" cy="6858000" type="screen4x3"/>
   <p:notesSz cx="6858000" cy="9144000"/>
@@ -2469,6 +2468,13 @@
   <p:clrMapOvr>
     <a:masterClrMapping/>
   </p:clrMapOvr>
+  <p:timing>
+    <p:tnLst>
+      <p:par>
+        <p:cTn id="1" dur="indefinite" restart="never" nodeType="tmRoot"/>
+      </p:par>
+    </p:tnLst>
+  </p:timing>
 </p:sld>
 </file>
 
@@ -3302,18 +3308,26 @@
             </a:r>
             <a:r>
               <a:rPr lang="ja-JP" altLang="en-US" dirty="0" smtClean="0"/>
-              <a:t>の子個体群</a:t>
-            </a:r>
-            <a:r>
-              <a:rPr lang="en-US" altLang="ja-JP" i="1" dirty="0" smtClean="0">
+              <a:t>の子</a:t>
+            </a:r>
+            <a:r>
+              <a:rPr lang="ja-JP" altLang="en-US" dirty="0" smtClean="0"/>
+              <a:t>個体群</a:t>
+            </a:r>
+            <a:r>
+              <a:rPr lang="ja-JP" altLang="en-US" i="1" dirty="0">
                 <a:latin typeface="Times New Roman" panose="02020603050405020304" pitchFamily="18" charset="0"/>
                 <a:cs typeface="Times New Roman" panose="02020603050405020304" pitchFamily="18" charset="0"/>
               </a:rPr>
-              <a:t>q</a:t>
+              <a:t>　</a:t>
             </a:r>
             <a:r>
               <a:rPr lang="ja-JP" altLang="en-US" dirty="0" smtClean="0"/>
-              <a:t> の</a:t>
+              <a:t> </a:t>
+            </a:r>
+            <a:r>
+              <a:rPr lang="ja-JP" altLang="en-US" dirty="0" smtClean="0"/>
+              <a:t>の</a:t>
             </a:r>
             <a:r>
               <a:rPr lang="en-US" altLang="ja-JP" dirty="0" smtClean="0"/>
@@ -3403,25 +3417,25 @@
           <p:nvPr>
             <p:extLst>
               <p:ext uri="{D42A27DB-BD31-4B8C-83A1-F6EECF244321}">
-                <p14:modId xmlns:p14="http://schemas.microsoft.com/office/powerpoint/2010/main" val="822527848"/>
+                <p14:modId xmlns:p14="http://schemas.microsoft.com/office/powerpoint/2010/main" val="29210911"/>
               </p:ext>
             </p:extLst>
           </p:nvPr>
         </p:nvGraphicFramePr>
         <p:xfrm>
-          <a:off x="1341438" y="3716338"/>
-          <a:ext cx="6461125" cy="2397125"/>
+          <a:off x="1301750" y="3716338"/>
+          <a:ext cx="6542088" cy="2397125"/>
         </p:xfrm>
         <a:graphic>
           <a:graphicData uri="http://schemas.openxmlformats.org/presentationml/2006/ole">
             <mc:AlternateContent xmlns:mc="http://schemas.openxmlformats.org/markup-compatibility/2006">
               <mc:Choice xmlns:v="urn:schemas-microsoft-com:vml" Requires="v">
-                <p:oleObj spid="_x0000_s1041" name="Equation" r:id="rId3" imgW="2019240" imgH="749160" progId="Equation.DSMT4">
+                <p:oleObj spid="_x0000_s1051" name="Equation" r:id="rId3" imgW="2044440" imgH="749160" progId="Equation.DSMT4">
                   <p:embed/>
                 </p:oleObj>
               </mc:Choice>
               <mc:Fallback>
-                <p:oleObj name="Equation" r:id="rId3" imgW="2019240" imgH="749160" progId="Equation.DSMT4">
+                <p:oleObj name="Equation" r:id="rId3" imgW="2044440" imgH="749160" progId="Equation.DSMT4">
                   <p:embed/>
                   <p:pic>
                     <p:nvPicPr>
@@ -3437,8 +3451,8 @@
                     </p:blipFill>
                     <p:spPr>
                       <a:xfrm>
-                        <a:off x="1341438" y="3716338"/>
-                        <a:ext cx="6461125" cy="2397125"/>
+                        <a:off x="1301750" y="3716338"/>
+                        <a:ext cx="6542088" cy="2397125"/>
                       </a:xfrm>
                       <a:prstGeom prst="rect">
                         <a:avLst/>
@@ -3460,25 +3474,25 @@
           <p:nvPr>
             <p:extLst>
               <p:ext uri="{D42A27DB-BD31-4B8C-83A1-F6EECF244321}">
-                <p14:modId xmlns:p14="http://schemas.microsoft.com/office/powerpoint/2010/main" val="3611104481"/>
+                <p14:modId xmlns:p14="http://schemas.microsoft.com/office/powerpoint/2010/main" val="4040096218"/>
               </p:ext>
             </p:extLst>
           </p:nvPr>
         </p:nvGraphicFramePr>
         <p:xfrm>
-          <a:off x="7846219" y="2398714"/>
-          <a:ext cx="487363" cy="692150"/>
+          <a:off x="7846891" y="2398713"/>
+          <a:ext cx="528638" cy="692150"/>
         </p:xfrm>
         <a:graphic>
           <a:graphicData uri="http://schemas.openxmlformats.org/presentationml/2006/ole">
             <mc:AlternateContent xmlns:mc="http://schemas.openxmlformats.org/markup-compatibility/2006">
               <mc:Choice xmlns:v="urn:schemas-microsoft-com:vml" Requires="v">
-                <p:oleObj spid="_x0000_s1042" name="Equation" r:id="rId5" imgW="152280" imgH="215640" progId="Equation.DSMT4">
+                <p:oleObj spid="_x0000_s1052" name="Equation" r:id="rId5" imgW="164880" imgH="215640" progId="Equation.DSMT4">
                   <p:embed/>
                 </p:oleObj>
               </mc:Choice>
               <mc:Fallback>
-                <p:oleObj name="Equation" r:id="rId5" imgW="152280" imgH="215640" progId="Equation.DSMT4">
+                <p:oleObj name="Equation" r:id="rId5" imgW="164880" imgH="215640" progId="Equation.DSMT4">
                   <p:embed/>
                   <p:pic>
                     <p:nvPicPr>
@@ -3494,8 +3508,8 @@
                     </p:blipFill>
                     <p:spPr>
                       <a:xfrm>
-                        <a:off x="7846219" y="2398714"/>
-                        <a:ext cx="487363" cy="692150"/>
+                        <a:off x="7846891" y="2398713"/>
+                        <a:ext cx="528638" cy="692150"/>
                       </a:xfrm>
                       <a:prstGeom prst="rect">
                         <a:avLst/>
@@ -3717,7 +3731,7 @@
           <a:graphicData uri="http://schemas.openxmlformats.org/presentationml/2006/ole">
             <mc:AlternateContent xmlns:mc="http://schemas.openxmlformats.org/markup-compatibility/2006">
               <mc:Choice xmlns:v="urn:schemas-microsoft-com:vml" Requires="v">
-                <p:oleObj spid="_x0000_s2056" name="Equation" r:id="rId3" imgW="1574640" imgH="444240" progId="Equation.DSMT4">
+                <p:oleObj spid="_x0000_s2060" name="Equation" r:id="rId3" imgW="1574640" imgH="444240" progId="Equation.DSMT4">
                   <p:embed/>
                 </p:oleObj>
               </mc:Choice>
@@ -4534,8 +4548,8 @@
           </a:p>
         </p:txBody>
       </p:sp>
-      <mc:AlternateContent xmlns:mc="http://schemas.openxmlformats.org/markup-compatibility/2006" xmlns:a14="http://schemas.microsoft.com/office/drawing/2010/main">
-        <mc:Choice Requires="a14">
+      <mc:AlternateContent xmlns:mc="http://schemas.openxmlformats.org/markup-compatibility/2006">
+        <mc:Choice xmlns:a14="http://schemas.microsoft.com/office/drawing/2010/main" Requires="a14">
           <p:sp>
             <p:nvSpPr>
               <p:cNvPr id="3" name="コンテンツ プレースホルダー 2"/>
@@ -5130,11 +5144,11 @@
                             <m:rPr>
                               <m:nor/>
                             </m:rPr>
-                            <a:rPr lang="en-US" altLang="ja-JP" i="1">
+                            <a:rPr lang="en-US" altLang="ja-JP" b="0" i="1" smtClean="0">
                               <a:latin typeface="Times New Roman" panose="02020603050405020304" pitchFamily="18" charset="0"/>
                               <a:cs typeface="Times New Roman" panose="02020603050405020304" pitchFamily="18" charset="0"/>
                             </a:rPr>
-                            <m:t>p</m:t>
+                            <m:t>q</m:t>
                           </m:r>
                           <m:r>
                             <m:rPr>
@@ -5209,7 +5223,7 @@
             </p:txBody>
           </p:sp>
         </mc:Choice>
-        <mc:Fallback xmlns="">
+        <mc:Fallback>
           <p:sp>
             <p:nvSpPr>
               <p:cNvPr id="3" name="コンテンツ プレースホルダー 2"/>
@@ -5303,7 +5317,7 @@
         <p:spPr>
           <a:xfrm>
             <a:off x="228600" y="6959600"/>
-            <a:ext cx="8178800" cy="1938992"/>
+            <a:ext cx="8178800" cy="1200329"/>
           </a:xfrm>
           <a:prstGeom prst="rect">
             <a:avLst/>
@@ -5354,12 +5368,6 @@
               <a:t>www.hellocybernetics.tech/entry/2016/04/21/132645</a:t>
             </a:r>
             <a:endParaRPr lang="en-US" altLang="ja-JP" sz="2400" dirty="0" smtClean="0"/>
-          </a:p>
-          <a:p>
-            <a:endParaRPr lang="en-US" altLang="ja-JP" sz="2400" dirty="0" smtClean="0"/>
-          </a:p>
-          <a:p>
-            <a:endParaRPr kumimoji="1" lang="ja-JP" altLang="en-US" sz="2400" dirty="0" smtClean="0"/>
           </a:p>
         </p:txBody>
       </p:sp>
@@ -5423,8 +5431,8 @@
           </a:p>
         </p:txBody>
       </p:sp>
-      <mc:AlternateContent xmlns:mc="http://schemas.openxmlformats.org/markup-compatibility/2006" xmlns:a14="http://schemas.microsoft.com/office/drawing/2010/main">
-        <mc:Choice Requires="a14">
+      <mc:AlternateContent xmlns:mc="http://schemas.openxmlformats.org/markup-compatibility/2006">
+        <mc:Choice xmlns:a14="http://schemas.microsoft.com/office/drawing/2010/main" Requires="a14">
           <p:sp>
             <p:nvSpPr>
               <p:cNvPr id="3" name="コンテンツ プレースホルダー 2"/>
@@ -5632,11 +5640,11 @@
                             <m:rPr>
                               <m:nor/>
                             </m:rPr>
-                            <a:rPr lang="en-US" altLang="ja-JP" i="1">
+                            <a:rPr lang="en-US" altLang="ja-JP" b="0" i="1" smtClean="0">
                               <a:latin typeface="Times New Roman" panose="02020603050405020304" pitchFamily="18" charset="0"/>
                               <a:cs typeface="Times New Roman" panose="02020603050405020304" pitchFamily="18" charset="0"/>
                             </a:rPr>
-                            <m:t>p</m:t>
+                            <m:t>q</m:t>
                           </m:r>
                           <m:r>
                             <m:rPr>
@@ -5853,11 +5861,11 @@
                             <m:rPr>
                               <m:nor/>
                             </m:rPr>
-                            <a:rPr lang="en-US" altLang="ja-JP" i="1">
+                            <a:rPr lang="en-US" altLang="ja-JP" b="0" i="1" smtClean="0">
                               <a:latin typeface="Times New Roman" panose="02020603050405020304" pitchFamily="18" charset="0"/>
                               <a:cs typeface="Times New Roman" panose="02020603050405020304" pitchFamily="18" charset="0"/>
                             </a:rPr>
-                            <m:t>p</m:t>
+                            <m:t>q</m:t>
                           </m:r>
                           <m:r>
                             <m:rPr>
@@ -6342,7 +6350,7 @@
             </p:txBody>
           </p:sp>
         </mc:Choice>
-        <mc:Fallback xmlns="">
+        <mc:Fallback>
           <p:sp>
             <p:nvSpPr>
               <p:cNvPr id="3" name="コンテンツ プレースホルダー 2"/>
@@ -6436,7 +6444,7 @@
         <p:spPr>
           <a:xfrm>
             <a:off x="228600" y="6959600"/>
-            <a:ext cx="8178800" cy="1938992"/>
+            <a:ext cx="8178800" cy="1200329"/>
           </a:xfrm>
           <a:prstGeom prst="rect">
             <a:avLst/>
@@ -6487,12 +6495,6 @@
               <a:t>www.hellocybernetics.tech/entry/2016/04/21/132645</a:t>
             </a:r>
             <a:endParaRPr lang="en-US" altLang="ja-JP" sz="2400" dirty="0" smtClean="0"/>
-          </a:p>
-          <a:p>
-            <a:endParaRPr lang="en-US" altLang="ja-JP" sz="2400" dirty="0" smtClean="0"/>
-          </a:p>
-          <a:p>
-            <a:endParaRPr kumimoji="1" lang="ja-JP" altLang="en-US" sz="2400" dirty="0" smtClean="0"/>
           </a:p>
         </p:txBody>
       </p:sp>
@@ -6685,25 +6687,25 @@
           <p:nvPr>
             <p:extLst>
               <p:ext uri="{D42A27DB-BD31-4B8C-83A1-F6EECF244321}">
-                <p14:modId xmlns:p14="http://schemas.microsoft.com/office/powerpoint/2010/main" val="4097557306"/>
+                <p14:modId xmlns:p14="http://schemas.microsoft.com/office/powerpoint/2010/main" val="1174322892"/>
               </p:ext>
             </p:extLst>
           </p:nvPr>
         </p:nvGraphicFramePr>
         <p:xfrm>
-          <a:off x="712788" y="1663700"/>
-          <a:ext cx="7720012" cy="3532188"/>
+          <a:off x="611188" y="1663700"/>
+          <a:ext cx="7923212" cy="3532188"/>
         </p:xfrm>
         <a:graphic>
           <a:graphicData uri="http://schemas.openxmlformats.org/presentationml/2006/ole">
             <mc:AlternateContent xmlns:mc="http://schemas.openxmlformats.org/markup-compatibility/2006">
               <mc:Choice xmlns:v="urn:schemas-microsoft-com:vml" Requires="v">
-                <p:oleObj spid="_x0000_s3084" name="Equation" r:id="rId3" imgW="2412720" imgH="1104840" progId="Equation.DSMT4">
+                <p:oleObj spid="_x0000_s3088" name="Equation" r:id="rId3" imgW="2476440" imgH="1104840" progId="Equation.DSMT4">
                   <p:embed/>
                 </p:oleObj>
               </mc:Choice>
               <mc:Fallback>
-                <p:oleObj name="Equation" r:id="rId3" imgW="2412720" imgH="1104840" progId="Equation.DSMT4">
+                <p:oleObj name="Equation" r:id="rId3" imgW="2476440" imgH="1104840" progId="Equation.DSMT4">
                   <p:embed/>
                   <p:pic>
                     <p:nvPicPr>
@@ -6719,8 +6721,8 @@
                     </p:blipFill>
                     <p:spPr>
                       <a:xfrm>
-                        <a:off x="712788" y="1663700"/>
-                        <a:ext cx="7720012" cy="3532188"/>
+                        <a:off x="611188" y="1663700"/>
+                        <a:ext cx="7923212" cy="3532188"/>
                       </a:xfrm>
                       <a:prstGeom prst="rect">
                         <a:avLst/>
@@ -6950,7 +6952,7 @@
           <a:graphicData uri="http://schemas.openxmlformats.org/presentationml/2006/ole">
             <mc:AlternateContent xmlns:mc="http://schemas.openxmlformats.org/markup-compatibility/2006">
               <mc:Choice xmlns:v="urn:schemas-microsoft-com:vml" Requires="v">
-                <p:oleObj spid="_x0000_s5132" name="Equation" r:id="rId3" imgW="2171520" imgH="825480" progId="Equation.DSMT4">
+                <p:oleObj spid="_x0000_s5140" name="Equation" r:id="rId3" imgW="2171520" imgH="825480" progId="Equation.DSMT4">
                   <p:embed/>
                 </p:oleObj>
               </mc:Choice>
@@ -7007,7 +7009,7 @@
           <a:graphicData uri="http://schemas.openxmlformats.org/presentationml/2006/ole">
             <mc:AlternateContent xmlns:mc="http://schemas.openxmlformats.org/markup-compatibility/2006">
               <mc:Choice xmlns:v="urn:schemas-microsoft-com:vml" Requires="v">
-                <p:oleObj spid="_x0000_s5133" name="Equation" r:id="rId5" imgW="2844720" imgH="457200" progId="Equation.DSMT4">
+                <p:oleObj spid="_x0000_s5141" name="Equation" r:id="rId5" imgW="2844720" imgH="457200" progId="Equation.DSMT4">
                   <p:embed/>
                 </p:oleObj>
               </mc:Choice>
@@ -7214,7 +7216,7 @@
           <a:graphicData uri="http://schemas.openxmlformats.org/presentationml/2006/ole">
             <mc:AlternateContent xmlns:mc="http://schemas.openxmlformats.org/markup-compatibility/2006">
               <mc:Choice xmlns:v="urn:schemas-microsoft-com:vml" Requires="v">
-                <p:oleObj spid="_x0000_s6151" name="Equation" r:id="rId3" imgW="2920680" imgH="825480" progId="Equation.DSMT4">
+                <p:oleObj spid="_x0000_s6155" name="Equation" r:id="rId3" imgW="2920680" imgH="825480" progId="Equation.DSMT4">
                   <p:embed/>
                 </p:oleObj>
               </mc:Choice>
@@ -8411,6 +8413,13 @@
   <p:clrMapOvr>
     <a:masterClrMapping/>
   </p:clrMapOvr>
+  <p:timing>
+    <p:tnLst>
+      <p:par>
+        <p:cTn id="1" dur="indefinite" restart="never" nodeType="tmRoot"/>
+      </p:par>
+    </p:tnLst>
+  </p:timing>
 </p:sld>
 </file>
 
@@ -10544,6 +10553,13 @@
   <p:clrMapOvr>
     <a:masterClrMapping/>
   </p:clrMapOvr>
+  <p:timing>
+    <p:tnLst>
+      <p:par>
+        <p:cTn id="1" dur="indefinite" restart="never" nodeType="tmRoot"/>
+      </p:par>
+    </p:tnLst>
+  </p:timing>
 </p:sld>
 </file>
 
@@ -11456,8 +11472,12 @@
           <a:lstStyle/>
           <a:p>
             <a:r>
+              <a:rPr lang="en-US" altLang="ja-JP" dirty="0" smtClean="0"/>
+              <a:t>N</a:t>
+            </a:r>
+            <a:r>
               <a:rPr kumimoji="1" lang="en-US" altLang="ja-JP" dirty="0" smtClean="0"/>
-              <a:t>CI-HS(</a:t>
+              <a:t>I-LS(</a:t>
             </a:r>
             <a:r>
               <a:rPr kumimoji="1" lang="en-US" altLang="ja-JP" i="1" dirty="0" smtClean="0">
@@ -11467,8 +11487,8 @@
               <a:t>T</a:t>
             </a:r>
             <a:r>
-              <a:rPr kumimoji="1" lang="en-US" altLang="ja-JP" baseline="-25000" dirty="0" smtClean="0"/>
-              <a:t>1</a:t>
+              <a:rPr lang="en-US" altLang="ja-JP" baseline="-25000" dirty="0"/>
+              <a:t>3</a:t>
             </a:r>
             <a:r>
               <a:rPr kumimoji="1" lang="ja-JP" altLang="en-US" dirty="0" smtClean="0"/>
@@ -11482,12 +11502,16 @@
               <a:t>T</a:t>
             </a:r>
             <a:r>
-              <a:rPr kumimoji="1" lang="en-US" altLang="ja-JP" baseline="-25000" dirty="0" smtClean="0"/>
-              <a:t>2</a:t>
+              <a:rPr lang="en-US" altLang="ja-JP" baseline="-25000" dirty="0"/>
+              <a:t>4</a:t>
             </a:r>
             <a:r>
               <a:rPr kumimoji="1" lang="ja-JP" altLang="en-US" dirty="0" smtClean="0"/>
-              <a:t>のみで実行</a:t>
+              <a:t>のみ</a:t>
+            </a:r>
+            <a:r>
+              <a:rPr kumimoji="1" lang="ja-JP" altLang="en-US" dirty="0" smtClean="0"/>
+              <a:t>で実行</a:t>
             </a:r>
             <a:r>
               <a:rPr kumimoji="1" lang="en-US" altLang="ja-JP" dirty="0" smtClean="0"/>
@@ -11801,6 +11825,13 @@
   <p:clrMapOvr>
     <a:masterClrMapping/>
   </p:clrMapOvr>
+  <p:timing>
+    <p:tnLst>
+      <p:par>
+        <p:cTn id="1" dur="indefinite" restart="never" nodeType="tmRoot"/>
+      </p:par>
+    </p:tnLst>
+  </p:timing>
 </p:sld>
 </file>
 
@@ -13463,8 +13494,12 @@
           <a:lstStyle/>
           <a:p>
             <a:r>
-              <a:rPr kumimoji="1" lang="ja-JP" altLang="en-US" dirty="0" smtClean="0"/>
-              <a:t>数値実験</a:t>
+              <a:rPr lang="ja-JP" altLang="en-US" dirty="0" smtClean="0"/>
+              <a:t>実験</a:t>
+            </a:r>
+            <a:r>
+              <a:rPr lang="ja-JP" altLang="en-US" dirty="0"/>
+              <a:t>結果</a:t>
             </a:r>
             <a:endParaRPr kumimoji="1" lang="ja-JP" altLang="en-US" dirty="0"/>
           </a:p>
@@ -13485,27 +13520,42 @@
           <a:bodyPr/>
           <a:lstStyle/>
           <a:p>
-            <a:pPr algn="l"/>
-            <a:r>
-              <a:rPr lang="ja-JP" altLang="en-US" dirty="0" smtClean="0"/>
-              <a:t>ステップサイズが異なる</a:t>
-            </a:r>
-            <a:r>
-              <a:rPr lang="en-US" altLang="ja-JP" dirty="0" smtClean="0"/>
-              <a:t>3</a:t>
-            </a:r>
-            <a:r>
-              <a:rPr lang="ja-JP" altLang="en-US" dirty="0" err="1" smtClean="0"/>
-              <a:t>つの</a:t>
-            </a:r>
-            <a:r>
-              <a:rPr lang="ja-JP" altLang="en-US" dirty="0" smtClean="0"/>
-              <a:t>タスクを設定．</a:t>
-            </a:r>
-            <a:endParaRPr lang="en-US" altLang="ja-JP" dirty="0" smtClean="0"/>
-          </a:p>
-          <a:p>
-            <a:pPr algn="l"/>
+            <a:r>
+              <a:rPr kumimoji="1" lang="en-US" altLang="ja-JP" dirty="0" smtClean="0"/>
+              <a:t>HV</a:t>
+            </a:r>
+            <a:r>
+              <a:rPr kumimoji="1" lang="ja-JP" altLang="en-US" dirty="0" smtClean="0"/>
+              <a:t>の推移</a:t>
+            </a:r>
+            <a:endParaRPr kumimoji="1" lang="en-US" altLang="ja-JP" dirty="0" smtClean="0"/>
+          </a:p>
+          <a:p>
+            <a:endParaRPr lang="en-US" altLang="ja-JP" dirty="0"/>
+          </a:p>
+          <a:p>
+            <a:endParaRPr kumimoji="1" lang="en-US" altLang="ja-JP" dirty="0" smtClean="0"/>
+          </a:p>
+          <a:p>
+            <a:endParaRPr lang="en-US" altLang="ja-JP" dirty="0"/>
+          </a:p>
+          <a:p>
+            <a:endParaRPr kumimoji="1" lang="en-US" altLang="ja-JP" dirty="0" smtClean="0"/>
+          </a:p>
+          <a:p>
+            <a:endParaRPr lang="en-US" altLang="ja-JP" dirty="0"/>
+          </a:p>
+          <a:p>
+            <a:endParaRPr kumimoji="1" lang="en-US" altLang="ja-JP" dirty="0" smtClean="0"/>
+          </a:p>
+          <a:p>
+            <a:endParaRPr lang="en-US" altLang="ja-JP" dirty="0"/>
+          </a:p>
+          <a:p>
+            <a:r>
+              <a:rPr kumimoji="1" lang="ja-JP" altLang="en-US" dirty="0" smtClean="0"/>
+              <a:t>補助タスクによりメインタスクの収束が高速化</a:t>
+            </a:r>
             <a:endParaRPr kumimoji="1" lang="ja-JP" altLang="en-US" dirty="0"/>
           </a:p>
         </p:txBody>
@@ -13529,644 +13579,6 @@
               <a:rPr kumimoji="1" lang="ja-JP" altLang="en-US" smtClean="0"/>
               <a:pPr/>
               <a:t>30</a:t>
-            </a:fld>
-            <a:endParaRPr kumimoji="1" lang="ja-JP" altLang="en-US" dirty="0"/>
-          </a:p>
-        </p:txBody>
-      </p:sp>
-      <p:sp>
-        <p:nvSpPr>
-          <p:cNvPr id="5" name="テキスト プレースホルダー 4"/>
-          <p:cNvSpPr>
-            <a:spLocks noGrp="1"/>
-          </p:cNvSpPr>
-          <p:nvPr>
-            <p:ph type="body" sz="quarter" idx="13"/>
-          </p:nvPr>
-        </p:nvSpPr>
-        <p:spPr/>
-        <p:txBody>
-          <a:bodyPr/>
-          <a:lstStyle/>
-          <a:p>
-            <a:r>
-              <a:rPr kumimoji="1" lang="ja-JP" altLang="en-US" dirty="0" smtClean="0"/>
-              <a:t>実験設定</a:t>
-            </a:r>
-            <a:endParaRPr kumimoji="1" lang="ja-JP" altLang="en-US" dirty="0"/>
-          </a:p>
-        </p:txBody>
-      </p:sp>
-      <p:graphicFrame>
-        <p:nvGraphicFramePr>
-          <p:cNvPr id="6" name="表 5"/>
-          <p:cNvGraphicFramePr>
-            <a:graphicFrameLocks noGrp="1"/>
-          </p:cNvGraphicFramePr>
-          <p:nvPr>
-            <p:extLst>
-              <p:ext uri="{D42A27DB-BD31-4B8C-83A1-F6EECF244321}">
-                <p14:modId xmlns:p14="http://schemas.microsoft.com/office/powerpoint/2010/main" val="1966395094"/>
-              </p:ext>
-            </p:extLst>
-          </p:nvPr>
-        </p:nvGraphicFramePr>
-        <p:xfrm>
-          <a:off x="2049145" y="2477410"/>
-          <a:ext cx="5121910" cy="2072640"/>
-        </p:xfrm>
-        <a:graphic>
-          <a:graphicData uri="http://schemas.openxmlformats.org/drawingml/2006/table">
-            <a:tbl>
-              <a:tblPr firstRow="1" bandRow="1">
-                <a:tableStyleId>{5C22544A-7EE6-4342-B048-85BDC9FD1C3A}</a:tableStyleId>
-              </a:tblPr>
-              <a:tblGrid>
-                <a:gridCol w="2668905"/>
-                <a:gridCol w="2453005"/>
-              </a:tblGrid>
-              <a:tr h="370840">
-                <a:tc>
-                  <a:txBody>
-                    <a:bodyPr/>
-                    <a:lstStyle/>
-                    <a:p>
-                      <a:pPr algn="ctr"/>
-                      <a:r>
-                        <a:rPr kumimoji="1" lang="ja-JP" altLang="en-US" sz="2800" b="0" dirty="0" smtClean="0">
-                          <a:solidFill>
-                            <a:schemeClr val="tx1"/>
-                          </a:solidFill>
-                        </a:rPr>
-                        <a:t>タスク名</a:t>
-                      </a:r>
-                      <a:endParaRPr kumimoji="1" lang="ja-JP" altLang="en-US" sz="2800" b="0" dirty="0">
-                        <a:solidFill>
-                          <a:schemeClr val="tx1"/>
-                        </a:solidFill>
-                      </a:endParaRPr>
-                    </a:p>
-                  </a:txBody>
-                  <a:tcPr>
-                    <a:lnR w="57150" cap="flat" cmpd="sng" algn="ctr">
-                      <a:solidFill>
-                        <a:schemeClr val="tx1"/>
-                      </a:solidFill>
-                      <a:prstDash val="solid"/>
-                      <a:round/>
-                      <a:headEnd type="none" w="med" len="med"/>
-                      <a:tailEnd type="none" w="med" len="med"/>
-                    </a:lnR>
-                    <a:lnB w="57150" cap="flat" cmpd="sng" algn="ctr">
-                      <a:solidFill>
-                        <a:schemeClr val="tx1"/>
-                      </a:solidFill>
-                      <a:prstDash val="solid"/>
-                      <a:round/>
-                      <a:headEnd type="none" w="med" len="med"/>
-                      <a:tailEnd type="none" w="med" len="med"/>
-                    </a:lnB>
-                    <a:noFill/>
-                  </a:tcPr>
-                </a:tc>
-                <a:tc>
-                  <a:txBody>
-                    <a:bodyPr/>
-                    <a:lstStyle/>
-                    <a:p>
-                      <a:pPr marL="0" marR="0" lvl="0" indent="0" algn="ctr" defTabSz="685800" rtl="0" eaLnBrk="1" fontAlgn="auto" latinLnBrk="0" hangingPunct="1">
-                        <a:lnSpc>
-                          <a:spcPct val="100000"/>
-                        </a:lnSpc>
-                        <a:spcBef>
-                          <a:spcPts val="0"/>
-                        </a:spcBef>
-                        <a:spcAft>
-                          <a:spcPts val="0"/>
-                        </a:spcAft>
-                        <a:buClrTx/>
-                        <a:buSzTx/>
-                        <a:buFontTx/>
-                        <a:buNone/>
-                        <a:tabLst/>
-                        <a:defRPr/>
-                      </a:pPr>
-                      <a:r>
-                        <a:rPr kumimoji="1" lang="ja-JP" altLang="en-US" sz="2800" b="0" i="0" dirty="0" smtClean="0">
-                          <a:solidFill>
-                            <a:schemeClr val="tx1"/>
-                          </a:solidFill>
-                          <a:latin typeface="Times New Roman" panose="02020603050405020304" pitchFamily="18" charset="0"/>
-                          <a:cs typeface="Times New Roman" panose="02020603050405020304" pitchFamily="18" charset="0"/>
-                        </a:rPr>
-                        <a:t>ステップサイズ</a:t>
-                      </a:r>
-                      <a:endParaRPr kumimoji="1" lang="ja-JP" altLang="en-US" sz="2800" b="0" i="0" baseline="-25000" dirty="0" smtClean="0">
-                        <a:solidFill>
-                          <a:schemeClr val="tx1"/>
-                        </a:solidFill>
-                      </a:endParaRPr>
-                    </a:p>
-                  </a:txBody>
-                  <a:tcPr>
-                    <a:lnL w="57150" cap="flat" cmpd="sng" algn="ctr">
-                      <a:solidFill>
-                        <a:schemeClr val="tx1"/>
-                      </a:solidFill>
-                      <a:prstDash val="solid"/>
-                      <a:round/>
-                      <a:headEnd type="none" w="med" len="med"/>
-                      <a:tailEnd type="none" w="med" len="med"/>
-                    </a:lnL>
-                    <a:lnB w="57150" cap="flat" cmpd="sng" algn="ctr">
-                      <a:solidFill>
-                        <a:schemeClr val="tx1"/>
-                      </a:solidFill>
-                      <a:prstDash val="solid"/>
-                      <a:round/>
-                      <a:headEnd type="none" w="med" len="med"/>
-                      <a:tailEnd type="none" w="med" len="med"/>
-                    </a:lnB>
-                    <a:noFill/>
-                  </a:tcPr>
-                </a:tc>
-              </a:tr>
-              <a:tr h="370840">
-                <a:tc>
-                  <a:txBody>
-                    <a:bodyPr/>
-                    <a:lstStyle/>
-                    <a:p>
-                      <a:pPr algn="ctr"/>
-                      <a:r>
-                        <a:rPr kumimoji="1" lang="en-US" altLang="ja-JP" sz="2800" i="1" dirty="0" smtClean="0">
-                          <a:solidFill>
-                            <a:schemeClr val="tx1"/>
-                          </a:solidFill>
-                          <a:latin typeface="Times New Roman" panose="02020603050405020304" pitchFamily="18" charset="0"/>
-                          <a:cs typeface="Times New Roman" panose="02020603050405020304" pitchFamily="18" charset="0"/>
-                        </a:rPr>
-                        <a:t>T</a:t>
-                      </a:r>
-                      <a:r>
-                        <a:rPr kumimoji="1" lang="en-US" altLang="ja-JP" sz="2800" baseline="-25000" dirty="0" smtClean="0">
-                          <a:solidFill>
-                            <a:schemeClr val="tx1"/>
-                          </a:solidFill>
-                        </a:rPr>
-                        <a:t>1</a:t>
-                      </a:r>
-                      <a:r>
-                        <a:rPr kumimoji="1" lang="ja-JP" altLang="en-US" sz="2800" baseline="0" dirty="0" smtClean="0">
-                          <a:solidFill>
-                            <a:schemeClr val="tx1"/>
-                          </a:solidFill>
-                        </a:rPr>
-                        <a:t>（メインタスク）</a:t>
-                      </a:r>
-                      <a:endParaRPr kumimoji="1" lang="ja-JP" altLang="en-US" sz="2800" baseline="-25000" dirty="0">
-                        <a:solidFill>
-                          <a:schemeClr val="tx1"/>
-                        </a:solidFill>
-                      </a:endParaRPr>
-                    </a:p>
-                  </a:txBody>
-                  <a:tcPr>
-                    <a:lnR w="57150" cap="flat" cmpd="sng" algn="ctr">
-                      <a:solidFill>
-                        <a:schemeClr val="tx1"/>
-                      </a:solidFill>
-                      <a:prstDash val="solid"/>
-                      <a:round/>
-                      <a:headEnd type="none" w="med" len="med"/>
-                      <a:tailEnd type="none" w="med" len="med"/>
-                    </a:lnR>
-                    <a:lnT w="57150" cap="flat" cmpd="sng" algn="ctr">
-                      <a:solidFill>
-                        <a:schemeClr val="tx1"/>
-                      </a:solidFill>
-                      <a:prstDash val="solid"/>
-                      <a:round/>
-                      <a:headEnd type="none" w="med" len="med"/>
-                      <a:tailEnd type="none" w="med" len="med"/>
-                    </a:lnT>
-                    <a:noFill/>
-                  </a:tcPr>
-                </a:tc>
-                <a:tc>
-                  <a:txBody>
-                    <a:bodyPr/>
-                    <a:lstStyle/>
-                    <a:p>
-                      <a:pPr algn="r"/>
-                      <a:r>
-                        <a:rPr kumimoji="1" lang="en-US" altLang="ja-JP" sz="2800" dirty="0" smtClean="0">
-                          <a:solidFill>
-                            <a:schemeClr val="tx1"/>
-                          </a:solidFill>
-                        </a:rPr>
-                        <a:t>500</a:t>
-                      </a:r>
-                      <a:r>
-                        <a:rPr kumimoji="1" lang="ja-JP" altLang="en-US" sz="2800" dirty="0" smtClean="0">
-                          <a:solidFill>
-                            <a:schemeClr val="tx1"/>
-                          </a:solidFill>
-                        </a:rPr>
-                        <a:t> </a:t>
-                      </a:r>
-                      <a:r>
-                        <a:rPr kumimoji="1" lang="en-US" altLang="ja-JP" sz="2800" dirty="0" smtClean="0">
-                          <a:solidFill>
-                            <a:schemeClr val="tx1"/>
-                          </a:solidFill>
-                        </a:rPr>
-                        <a:t>m</a:t>
-                      </a:r>
-                      <a:endParaRPr kumimoji="1" lang="ja-JP" altLang="en-US" sz="2800" dirty="0">
-                        <a:solidFill>
-                          <a:schemeClr val="tx1"/>
-                        </a:solidFill>
-                      </a:endParaRPr>
-                    </a:p>
-                  </a:txBody>
-                  <a:tcPr>
-                    <a:lnL w="57150" cap="flat" cmpd="sng" algn="ctr">
-                      <a:solidFill>
-                        <a:schemeClr val="tx1"/>
-                      </a:solidFill>
-                      <a:prstDash val="solid"/>
-                      <a:round/>
-                      <a:headEnd type="none" w="med" len="med"/>
-                      <a:tailEnd type="none" w="med" len="med"/>
-                    </a:lnL>
-                    <a:lnT w="57150" cap="flat" cmpd="sng" algn="ctr">
-                      <a:solidFill>
-                        <a:schemeClr val="tx1"/>
-                      </a:solidFill>
-                      <a:prstDash val="solid"/>
-                      <a:round/>
-                      <a:headEnd type="none" w="med" len="med"/>
-                      <a:tailEnd type="none" w="med" len="med"/>
-                    </a:lnT>
-                    <a:noFill/>
-                  </a:tcPr>
-                </a:tc>
-              </a:tr>
-              <a:tr h="370840">
-                <a:tc>
-                  <a:txBody>
-                    <a:bodyPr/>
-                    <a:lstStyle/>
-                    <a:p>
-                      <a:pPr algn="ctr"/>
-                      <a:r>
-                        <a:rPr kumimoji="1" lang="en-US" altLang="ja-JP" sz="2800" i="1" dirty="0" smtClean="0">
-                          <a:solidFill>
-                            <a:schemeClr val="tx1"/>
-                          </a:solidFill>
-                          <a:latin typeface="Times New Roman" panose="02020603050405020304" pitchFamily="18" charset="0"/>
-                          <a:cs typeface="Times New Roman" panose="02020603050405020304" pitchFamily="18" charset="0"/>
-                        </a:rPr>
-                        <a:t>T</a:t>
-                      </a:r>
-                      <a:r>
-                        <a:rPr kumimoji="1" lang="en-US" altLang="ja-JP" sz="2800" i="0" baseline="-25000" dirty="0" smtClean="0">
-                          <a:solidFill>
-                            <a:schemeClr val="tx1"/>
-                          </a:solidFill>
-                          <a:latin typeface="+mn-lt"/>
-                          <a:cs typeface="+mn-cs"/>
-                        </a:rPr>
-                        <a:t>2</a:t>
-                      </a:r>
-                      <a:r>
-                        <a:rPr kumimoji="1" lang="ja-JP" altLang="en-US" sz="2800" baseline="0" dirty="0" smtClean="0">
-                          <a:solidFill>
-                            <a:schemeClr val="tx1"/>
-                          </a:solidFill>
-                        </a:rPr>
-                        <a:t>（補助タスク）</a:t>
-                      </a:r>
-                      <a:endParaRPr kumimoji="1" lang="ja-JP" altLang="en-US" sz="2800" baseline="-25000" dirty="0">
-                        <a:solidFill>
-                          <a:schemeClr val="tx1"/>
-                        </a:solidFill>
-                      </a:endParaRPr>
-                    </a:p>
-                  </a:txBody>
-                  <a:tcPr>
-                    <a:lnR w="57150" cap="flat" cmpd="sng" algn="ctr">
-                      <a:solidFill>
-                        <a:schemeClr val="tx1"/>
-                      </a:solidFill>
-                      <a:prstDash val="solid"/>
-                      <a:round/>
-                      <a:headEnd type="none" w="med" len="med"/>
-                      <a:tailEnd type="none" w="med" len="med"/>
-                    </a:lnR>
-                    <a:noFill/>
-                  </a:tcPr>
-                </a:tc>
-                <a:tc>
-                  <a:txBody>
-                    <a:bodyPr/>
-                    <a:lstStyle/>
-                    <a:p>
-                      <a:pPr algn="r"/>
-                      <a:r>
-                        <a:rPr kumimoji="1" lang="en-US" altLang="ja-JP" sz="2800" dirty="0" smtClean="0">
-                          <a:solidFill>
-                            <a:schemeClr val="tx1"/>
-                          </a:solidFill>
-                        </a:rPr>
-                        <a:t>750</a:t>
-                      </a:r>
-                      <a:r>
-                        <a:rPr kumimoji="1" lang="ja-JP" altLang="en-US" sz="2800" dirty="0" smtClean="0">
-                          <a:solidFill>
-                            <a:schemeClr val="tx1"/>
-                          </a:solidFill>
-                        </a:rPr>
-                        <a:t> </a:t>
-                      </a:r>
-                      <a:r>
-                        <a:rPr kumimoji="1" lang="en-US" altLang="ja-JP" sz="2800" dirty="0" smtClean="0">
-                          <a:solidFill>
-                            <a:schemeClr val="tx1"/>
-                          </a:solidFill>
-                        </a:rPr>
-                        <a:t>m</a:t>
-                      </a:r>
-                      <a:endParaRPr kumimoji="1" lang="ja-JP" altLang="en-US" sz="2800" dirty="0">
-                        <a:solidFill>
-                          <a:schemeClr val="tx1"/>
-                        </a:solidFill>
-                      </a:endParaRPr>
-                    </a:p>
-                  </a:txBody>
-                  <a:tcPr>
-                    <a:lnL w="57150" cap="flat" cmpd="sng" algn="ctr">
-                      <a:solidFill>
-                        <a:schemeClr val="tx1"/>
-                      </a:solidFill>
-                      <a:prstDash val="solid"/>
-                      <a:round/>
-                      <a:headEnd type="none" w="med" len="med"/>
-                      <a:tailEnd type="none" w="med" len="med"/>
-                    </a:lnL>
-                    <a:noFill/>
-                  </a:tcPr>
-                </a:tc>
-              </a:tr>
-              <a:tr h="370840">
-                <a:tc>
-                  <a:txBody>
-                    <a:bodyPr/>
-                    <a:lstStyle/>
-                    <a:p>
-                      <a:pPr algn="ctr"/>
-                      <a:r>
-                        <a:rPr kumimoji="1" lang="en-US" altLang="ja-JP" sz="2800" i="1" dirty="0" smtClean="0">
-                          <a:solidFill>
-                            <a:schemeClr val="tx1"/>
-                          </a:solidFill>
-                          <a:latin typeface="Times New Roman" panose="02020603050405020304" pitchFamily="18" charset="0"/>
-                          <a:cs typeface="Times New Roman" panose="02020603050405020304" pitchFamily="18" charset="0"/>
-                        </a:rPr>
-                        <a:t>T</a:t>
-                      </a:r>
-                      <a:r>
-                        <a:rPr kumimoji="1" lang="en-US" altLang="ja-JP" sz="2800" i="0" baseline="-25000" dirty="0" smtClean="0">
-                          <a:solidFill>
-                            <a:schemeClr val="tx1"/>
-                          </a:solidFill>
-                          <a:latin typeface="+mn-lt"/>
-                          <a:cs typeface="+mn-cs"/>
-                        </a:rPr>
-                        <a:t>3</a:t>
-                      </a:r>
-                      <a:r>
-                        <a:rPr kumimoji="1" lang="ja-JP" altLang="en-US" sz="2800" baseline="0" dirty="0" smtClean="0">
-                          <a:solidFill>
-                            <a:schemeClr val="tx1"/>
-                          </a:solidFill>
-                        </a:rPr>
-                        <a:t>（補助タスク）</a:t>
-                      </a:r>
-                      <a:endParaRPr kumimoji="1" lang="ja-JP" altLang="en-US" sz="2800" baseline="-25000" dirty="0">
-                        <a:solidFill>
-                          <a:schemeClr val="tx1"/>
-                        </a:solidFill>
-                      </a:endParaRPr>
-                    </a:p>
-                  </a:txBody>
-                  <a:tcPr>
-                    <a:lnR w="57150" cap="flat" cmpd="sng" algn="ctr">
-                      <a:solidFill>
-                        <a:schemeClr val="tx1"/>
-                      </a:solidFill>
-                      <a:prstDash val="solid"/>
-                      <a:round/>
-                      <a:headEnd type="none" w="med" len="med"/>
-                      <a:tailEnd type="none" w="med" len="med"/>
-                    </a:lnR>
-                    <a:noFill/>
-                  </a:tcPr>
-                </a:tc>
-                <a:tc>
-                  <a:txBody>
-                    <a:bodyPr/>
-                    <a:lstStyle/>
-                    <a:p>
-                      <a:pPr algn="r"/>
-                      <a:r>
-                        <a:rPr kumimoji="1" lang="en-US" altLang="ja-JP" sz="2800" dirty="0" smtClean="0">
-                          <a:solidFill>
-                            <a:schemeClr val="tx1"/>
-                          </a:solidFill>
-                        </a:rPr>
-                        <a:t>1,000</a:t>
-                      </a:r>
-                      <a:r>
-                        <a:rPr kumimoji="1" lang="ja-JP" altLang="en-US" sz="2800" dirty="0" smtClean="0">
-                          <a:solidFill>
-                            <a:schemeClr val="tx1"/>
-                          </a:solidFill>
-                        </a:rPr>
-                        <a:t> </a:t>
-                      </a:r>
-                      <a:r>
-                        <a:rPr kumimoji="1" lang="en-US" altLang="ja-JP" sz="2800" dirty="0" smtClean="0">
-                          <a:solidFill>
-                            <a:schemeClr val="tx1"/>
-                          </a:solidFill>
-                        </a:rPr>
-                        <a:t>m</a:t>
-                      </a:r>
-                      <a:endParaRPr kumimoji="1" lang="ja-JP" altLang="en-US" sz="2800" dirty="0">
-                        <a:solidFill>
-                          <a:schemeClr val="tx1"/>
-                        </a:solidFill>
-                      </a:endParaRPr>
-                    </a:p>
-                  </a:txBody>
-                  <a:tcPr>
-                    <a:lnL w="57150" cap="flat" cmpd="sng" algn="ctr">
-                      <a:solidFill>
-                        <a:schemeClr val="tx1"/>
-                      </a:solidFill>
-                      <a:prstDash val="solid"/>
-                      <a:round/>
-                      <a:headEnd type="none" w="med" len="med"/>
-                      <a:tailEnd type="none" w="med" len="med"/>
-                    </a:lnL>
-                    <a:noFill/>
-                  </a:tcPr>
-                </a:tc>
-              </a:tr>
-            </a:tbl>
-          </a:graphicData>
-        </a:graphic>
-      </p:graphicFrame>
-    </p:spTree>
-    <p:extLst>
-      <p:ext uri="{BB962C8B-B14F-4D97-AF65-F5344CB8AC3E}">
-        <p14:creationId xmlns:p14="http://schemas.microsoft.com/office/powerpoint/2010/main" val="915433214"/>
-      </p:ext>
-    </p:extLst>
-  </p:cSld>
-  <p:clrMapOvr>
-    <a:masterClrMapping/>
-  </p:clrMapOvr>
-  <p:timing>
-    <p:tnLst>
-      <p:par>
-        <p:cTn id="1" dur="indefinite" restart="never" nodeType="tmRoot"/>
-      </p:par>
-    </p:tnLst>
-  </p:timing>
-</p:sld>
-</file>
-
-<file path=ppt/slides/slide31.xml><?xml version="1.0" encoding="utf-8"?>
-<p:sld xmlns:a="http://schemas.openxmlformats.org/drawingml/2006/main" xmlns:r="http://schemas.openxmlformats.org/officeDocument/2006/relationships" xmlns:p="http://schemas.openxmlformats.org/presentationml/2006/main">
-  <p:cSld>
-    <p:spTree>
-      <p:nvGrpSpPr>
-        <p:cNvPr id="1" name=""/>
-        <p:cNvGrpSpPr/>
-        <p:nvPr/>
-      </p:nvGrpSpPr>
-      <p:grpSpPr>
-        <a:xfrm>
-          <a:off x="0" y="0"/>
-          <a:ext cx="0" cy="0"/>
-          <a:chOff x="0" y="0"/>
-          <a:chExt cx="0" cy="0"/>
-        </a:xfrm>
-      </p:grpSpPr>
-      <p:sp>
-        <p:nvSpPr>
-          <p:cNvPr id="2" name="タイトル 1"/>
-          <p:cNvSpPr>
-            <a:spLocks noGrp="1"/>
-          </p:cNvSpPr>
-          <p:nvPr>
-            <p:ph type="title"/>
-          </p:nvPr>
-        </p:nvSpPr>
-        <p:spPr/>
-        <p:txBody>
-          <a:bodyPr/>
-          <a:lstStyle/>
-          <a:p>
-            <a:r>
-              <a:rPr lang="ja-JP" altLang="en-US" dirty="0" smtClean="0"/>
-              <a:t>実験</a:t>
-            </a:r>
-            <a:r>
-              <a:rPr lang="ja-JP" altLang="en-US" dirty="0"/>
-              <a:t>結果</a:t>
-            </a:r>
-            <a:endParaRPr kumimoji="1" lang="ja-JP" altLang="en-US" dirty="0"/>
-          </a:p>
-        </p:txBody>
-      </p:sp>
-      <p:sp>
-        <p:nvSpPr>
-          <p:cNvPr id="3" name="コンテンツ プレースホルダー 2"/>
-          <p:cNvSpPr>
-            <a:spLocks noGrp="1"/>
-          </p:cNvSpPr>
-          <p:nvPr>
-            <p:ph idx="1"/>
-          </p:nvPr>
-        </p:nvSpPr>
-        <p:spPr/>
-        <p:txBody>
-          <a:bodyPr/>
-          <a:lstStyle/>
-          <a:p>
-            <a:r>
-              <a:rPr kumimoji="1" lang="en-US" altLang="ja-JP" dirty="0" smtClean="0"/>
-              <a:t>HV</a:t>
-            </a:r>
-            <a:r>
-              <a:rPr kumimoji="1" lang="ja-JP" altLang="en-US" dirty="0" smtClean="0"/>
-              <a:t>の推移</a:t>
-            </a:r>
-            <a:endParaRPr kumimoji="1" lang="en-US" altLang="ja-JP" dirty="0" smtClean="0"/>
-          </a:p>
-          <a:p>
-            <a:endParaRPr lang="en-US" altLang="ja-JP" dirty="0"/>
-          </a:p>
-          <a:p>
-            <a:endParaRPr kumimoji="1" lang="en-US" altLang="ja-JP" dirty="0" smtClean="0"/>
-          </a:p>
-          <a:p>
-            <a:endParaRPr lang="en-US" altLang="ja-JP" dirty="0"/>
-          </a:p>
-          <a:p>
-            <a:endParaRPr kumimoji="1" lang="en-US" altLang="ja-JP" dirty="0" smtClean="0"/>
-          </a:p>
-          <a:p>
-            <a:endParaRPr lang="en-US" altLang="ja-JP" dirty="0"/>
-          </a:p>
-          <a:p>
-            <a:endParaRPr kumimoji="1" lang="en-US" altLang="ja-JP" dirty="0" smtClean="0"/>
-          </a:p>
-          <a:p>
-            <a:endParaRPr lang="en-US" altLang="ja-JP" dirty="0"/>
-          </a:p>
-          <a:p>
-            <a:r>
-              <a:rPr kumimoji="1" lang="ja-JP" altLang="en-US" dirty="0" smtClean="0"/>
-              <a:t>補助タスクによりメインタスクの収束が高速化</a:t>
-            </a:r>
-            <a:endParaRPr kumimoji="1" lang="ja-JP" altLang="en-US" dirty="0"/>
-          </a:p>
-        </p:txBody>
-      </p:sp>
-      <p:sp>
-        <p:nvSpPr>
-          <p:cNvPr id="4" name="スライド番号プレースホルダー 3"/>
-          <p:cNvSpPr>
-            <a:spLocks noGrp="1"/>
-          </p:cNvSpPr>
-          <p:nvPr>
-            <p:ph type="sldNum" sz="quarter" idx="12"/>
-          </p:nvPr>
-        </p:nvSpPr>
-        <p:spPr/>
-        <p:txBody>
-          <a:bodyPr/>
-          <a:lstStyle/>
-          <a:p>
-            <a:fld id="{B5C67937-D10B-4F1B-BCB2-26B69D4AE1E2}" type="slidenum">
-              <a:rPr kumimoji="1" lang="ja-JP" altLang="en-US" smtClean="0"/>
-              <a:pPr/>
-              <a:t>31</a:t>
             </a:fld>
             <a:endParaRPr kumimoji="1" lang="ja-JP" altLang="en-US" dirty="0"/>
           </a:p>
@@ -14275,7 +13687,7 @@
 </p:sld>
 </file>
 
-<file path=ppt/slides/slide32.xml><?xml version="1.0" encoding="utf-8"?>
+<file path=ppt/slides/slide31.xml><?xml version="1.0" encoding="utf-8"?>
 <p:sld xmlns:a="http://schemas.openxmlformats.org/drawingml/2006/main" xmlns:r="http://schemas.openxmlformats.org/officeDocument/2006/relationships" xmlns:p="http://schemas.openxmlformats.org/presentationml/2006/main">
   <p:cSld>
     <p:spTree>
@@ -14392,7 +13804,7 @@
             <a:fld id="{B5C67937-D10B-4F1B-BCB2-26B69D4AE1E2}" type="slidenum">
               <a:rPr kumimoji="1" lang="ja-JP" altLang="en-US" smtClean="0"/>
               <a:pPr/>
-              <a:t>32</a:t>
+              <a:t>31</a:t>
             </a:fld>
             <a:endParaRPr kumimoji="1" lang="ja-JP" altLang="en-US" dirty="0"/>
           </a:p>
@@ -14489,7 +13901,7 @@
 </p:sld>
 </file>
 
-<file path=ppt/slides/slide33.xml><?xml version="1.0" encoding="utf-8"?>
+<file path=ppt/slides/slide32.xml><?xml version="1.0" encoding="utf-8"?>
 <p:sld xmlns:a="http://schemas.openxmlformats.org/drawingml/2006/main" xmlns:r="http://schemas.openxmlformats.org/officeDocument/2006/relationships" xmlns:p="http://schemas.openxmlformats.org/presentationml/2006/main">
   <p:cSld>
     <p:spTree>
@@ -14670,26 +14082,42 @@
           <a:p>
             <a:r>
               <a:rPr kumimoji="1" lang="ja-JP" altLang="en-US" dirty="0" smtClean="0"/>
-              <a:t>計算コスト</a:t>
-            </a:r>
-            <a:r>
-              <a:rPr kumimoji="1" lang="ja-JP" altLang="en-US" smtClean="0"/>
-              <a:t>の大きなタスクに</a:t>
+              <a:t>計算コストの大きなタスクに対し，</a:t>
+            </a:r>
+            <a:r>
+              <a:rPr kumimoji="1" lang="ja-JP" altLang="en-US" dirty="0" smtClean="0">
+                <a:solidFill>
+                  <a:srgbClr val="FF0000"/>
+                </a:solidFill>
+              </a:rPr>
+              <a:t>計算コストが</a:t>
+            </a:r>
+            <a:r>
+              <a:rPr kumimoji="1" lang="en-US" altLang="ja-JP" dirty="0" smtClean="0">
+                <a:solidFill>
+                  <a:srgbClr val="FF0000"/>
+                </a:solidFill>
+              </a:rPr>
+              <a:t/>
+            </a:r>
+            <a:br>
+              <a:rPr kumimoji="1" lang="en-US" altLang="ja-JP" dirty="0" smtClean="0">
+                <a:solidFill>
+                  <a:srgbClr val="FF0000"/>
+                </a:solidFill>
+              </a:rPr>
+            </a:br>
+            <a:r>
+              <a:rPr kumimoji="1" lang="ja-JP" altLang="en-US" dirty="0" smtClean="0">
+                <a:solidFill>
+                  <a:srgbClr val="FF0000"/>
+                </a:solidFill>
+              </a:rPr>
+              <a:t>小さいタスクを同時に最適化する</a:t>
             </a:r>
             <a:r>
               <a:rPr kumimoji="1" lang="ja-JP" altLang="en-US" dirty="0" smtClean="0"/>
-              <a:t>対し，計算コストが</a:t>
-            </a:r>
-            <a:r>
-              <a:rPr kumimoji="1" lang="en-US" altLang="ja-JP" dirty="0" smtClean="0"/>
-              <a:t/>
-            </a:r>
-            <a:br>
-              <a:rPr kumimoji="1" lang="en-US" altLang="ja-JP" dirty="0" smtClean="0"/>
-            </a:br>
-            <a:r>
-              <a:rPr kumimoji="1" lang="ja-JP" altLang="en-US" dirty="0" smtClean="0"/>
-              <a:t>小さいタスクを同時に最適化することにより，収束速度が高速化されることを示した．</a:t>
+              <a:t>ことにより，収束速度が高速化されることを示した．</a:t>
             </a:r>
             <a:endParaRPr kumimoji="1" lang="ja-JP" altLang="en-US" dirty="0"/>
           </a:p>
@@ -14713,7 +14141,7 @@
             <a:fld id="{B5C67937-D10B-4F1B-BCB2-26B69D4AE1E2}" type="slidenum">
               <a:rPr kumimoji="1" lang="ja-JP" altLang="en-US" smtClean="0"/>
               <a:pPr/>
-              <a:t>33</a:t>
+              <a:t>32</a:t>
             </a:fld>
             <a:endParaRPr kumimoji="1" lang="ja-JP" altLang="en-US" dirty="0"/>
           </a:p>
@@ -14729,6 +14157,13 @@
   <p:clrMapOvr>
     <a:masterClrMapping/>
   </p:clrMapOvr>
+  <p:timing>
+    <p:tnLst>
+      <p:par>
+        <p:cTn id="1" dur="indefinite" restart="never" nodeType="tmRoot"/>
+      </p:par>
+    </p:tnLst>
+  </p:timing>
 </p:sld>
 </file>
 
@@ -14885,6 +14320,13 @@
   <p:clrMapOvr>
     <a:masterClrMapping/>
   </p:clrMapOvr>
+  <p:timing>
+    <p:tnLst>
+      <p:par>
+        <p:cTn id="1" dur="indefinite" restart="never" nodeType="tmRoot"/>
+      </p:par>
+    </p:tnLst>
+  </p:timing>
 </p:sld>
 </file>
 
@@ -15994,6 +15436,293 @@
           </a:p>
         </p:txBody>
       </p:sp>
+      <p:grpSp>
+        <p:nvGrpSpPr>
+          <p:cNvPr id="32" name="グループ化 31"/>
+          <p:cNvGrpSpPr/>
+          <p:nvPr/>
+        </p:nvGrpSpPr>
+        <p:grpSpPr>
+          <a:xfrm>
+            <a:off x="6200079" y="2592448"/>
+            <a:ext cx="2767595" cy="983419"/>
+            <a:chOff x="6609731" y="3254696"/>
+            <a:chExt cx="2767595" cy="983419"/>
+          </a:xfrm>
+        </p:grpSpPr>
+        <p:grpSp>
+          <p:nvGrpSpPr>
+            <p:cNvPr id="33" name="グループ化 32"/>
+            <p:cNvGrpSpPr/>
+            <p:nvPr/>
+          </p:nvGrpSpPr>
+          <p:grpSpPr>
+            <a:xfrm>
+              <a:off x="6746212" y="3286290"/>
+              <a:ext cx="2494633" cy="920230"/>
+              <a:chOff x="6806714" y="3317885"/>
+              <a:chExt cx="2494633" cy="920230"/>
+            </a:xfrm>
+          </p:grpSpPr>
+          <p:grpSp>
+            <p:nvGrpSpPr>
+              <p:cNvPr id="35" name="グループ化 34"/>
+              <p:cNvGrpSpPr/>
+              <p:nvPr/>
+            </p:nvGrpSpPr>
+            <p:grpSpPr>
+              <a:xfrm>
+                <a:off x="6806714" y="3317885"/>
+                <a:ext cx="2494633" cy="461665"/>
+                <a:chOff x="6806714" y="3317885"/>
+                <a:chExt cx="2494633" cy="461665"/>
+              </a:xfrm>
+            </p:grpSpPr>
+            <p:sp>
+              <p:nvSpPr>
+                <p:cNvPr id="39" name="円/楕円 38"/>
+                <p:cNvSpPr/>
+                <p:nvPr/>
+              </p:nvSpPr>
+              <p:spPr>
+                <a:xfrm>
+                  <a:off x="6806714" y="3357778"/>
+                  <a:ext cx="381878" cy="381878"/>
+                </a:xfrm>
+                <a:prstGeom prst="ellipse">
+                  <a:avLst/>
+                </a:prstGeom>
+                <a:solidFill>
+                  <a:schemeClr val="accent1"/>
+                </a:solidFill>
+                <a:ln>
+                  <a:noFill/>
+                </a:ln>
+              </p:spPr>
+              <p:style>
+                <a:lnRef idx="2">
+                  <a:schemeClr val="accent1">
+                    <a:shade val="50000"/>
+                  </a:schemeClr>
+                </a:lnRef>
+                <a:fillRef idx="1">
+                  <a:schemeClr val="accent1"/>
+                </a:fillRef>
+                <a:effectRef idx="0">
+                  <a:schemeClr val="accent1"/>
+                </a:effectRef>
+                <a:fontRef idx="minor">
+                  <a:schemeClr val="lt1"/>
+                </a:fontRef>
+              </p:style>
+              <p:txBody>
+                <a:bodyPr rtlCol="0" anchor="ctr"/>
+                <a:lstStyle/>
+                <a:p>
+                  <a:pPr algn="ctr"/>
+                  <a:endParaRPr kumimoji="1" lang="ja-JP" altLang="en-US"/>
+                </a:p>
+              </p:txBody>
+            </p:sp>
+            <p:sp>
+              <p:nvSpPr>
+                <p:cNvPr id="40" name="テキスト ボックス 39"/>
+                <p:cNvSpPr txBox="1"/>
+                <p:nvPr/>
+              </p:nvSpPr>
+              <p:spPr>
+                <a:xfrm>
+                  <a:off x="7188593" y="3317885"/>
+                  <a:ext cx="2112754" cy="461665"/>
+                </a:xfrm>
+                <a:prstGeom prst="rect">
+                  <a:avLst/>
+                </a:prstGeom>
+                <a:noFill/>
+                <a:ln w="19050">
+                  <a:noFill/>
+                </a:ln>
+              </p:spPr>
+              <p:txBody>
+                <a:bodyPr wrap="square" rtlCol="0">
+                  <a:spAutoFit/>
+                </a:bodyPr>
+                <a:lstStyle/>
+                <a:p>
+                  <a:r>
+                    <a:rPr kumimoji="1" lang="en-US" altLang="ja-JP" sz="2400" dirty="0" smtClean="0"/>
+                    <a:t>:</a:t>
+                  </a:r>
+                  <a:r>
+                    <a:rPr kumimoji="1" lang="ja-JP" altLang="en-US" sz="2400" dirty="0" smtClean="0"/>
+                    <a:t>タスク</a:t>
+                  </a:r>
+                  <a:r>
+                    <a:rPr kumimoji="1" lang="en-US" altLang="ja-JP" sz="2400" dirty="0" smtClean="0"/>
+                    <a:t>1</a:t>
+                  </a:r>
+                  <a:r>
+                    <a:rPr kumimoji="1" lang="ja-JP" altLang="en-US" sz="2400" dirty="0" smtClean="0"/>
+                    <a:t>の個体</a:t>
+                  </a:r>
+                </a:p>
+              </p:txBody>
+            </p:sp>
+          </p:grpSp>
+          <p:grpSp>
+            <p:nvGrpSpPr>
+              <p:cNvPr id="36" name="グループ化 35"/>
+              <p:cNvGrpSpPr/>
+              <p:nvPr/>
+            </p:nvGrpSpPr>
+            <p:grpSpPr>
+              <a:xfrm>
+                <a:off x="6806714" y="3776450"/>
+                <a:ext cx="2494633" cy="461665"/>
+                <a:chOff x="6806714" y="3317885"/>
+                <a:chExt cx="2494633" cy="461665"/>
+              </a:xfrm>
+            </p:grpSpPr>
+            <p:sp>
+              <p:nvSpPr>
+                <p:cNvPr id="37" name="円/楕円 36"/>
+                <p:cNvSpPr/>
+                <p:nvPr/>
+              </p:nvSpPr>
+              <p:spPr>
+                <a:xfrm>
+                  <a:off x="6806714" y="3357778"/>
+                  <a:ext cx="381878" cy="381878"/>
+                </a:xfrm>
+                <a:prstGeom prst="ellipse">
+                  <a:avLst/>
+                </a:prstGeom>
+                <a:solidFill>
+                  <a:schemeClr val="accent2"/>
+                </a:solidFill>
+                <a:ln>
+                  <a:noFill/>
+                </a:ln>
+              </p:spPr>
+              <p:style>
+                <a:lnRef idx="2">
+                  <a:schemeClr val="accent1">
+                    <a:shade val="50000"/>
+                  </a:schemeClr>
+                </a:lnRef>
+                <a:fillRef idx="1">
+                  <a:schemeClr val="accent1"/>
+                </a:fillRef>
+                <a:effectRef idx="0">
+                  <a:schemeClr val="accent1"/>
+                </a:effectRef>
+                <a:fontRef idx="minor">
+                  <a:schemeClr val="lt1"/>
+                </a:fontRef>
+              </p:style>
+              <p:txBody>
+                <a:bodyPr rtlCol="0" anchor="ctr"/>
+                <a:lstStyle/>
+                <a:p>
+                  <a:pPr algn="ctr"/>
+                  <a:endParaRPr kumimoji="1" lang="ja-JP" altLang="en-US"/>
+                </a:p>
+              </p:txBody>
+            </p:sp>
+            <p:sp>
+              <p:nvSpPr>
+                <p:cNvPr id="38" name="テキスト ボックス 37"/>
+                <p:cNvSpPr txBox="1"/>
+                <p:nvPr/>
+              </p:nvSpPr>
+              <p:spPr>
+                <a:xfrm>
+                  <a:off x="7188593" y="3317885"/>
+                  <a:ext cx="2112754" cy="461665"/>
+                </a:xfrm>
+                <a:prstGeom prst="rect">
+                  <a:avLst/>
+                </a:prstGeom>
+                <a:noFill/>
+                <a:ln w="19050">
+                  <a:noFill/>
+                </a:ln>
+              </p:spPr>
+              <p:txBody>
+                <a:bodyPr wrap="square" rtlCol="0">
+                  <a:spAutoFit/>
+                </a:bodyPr>
+                <a:lstStyle/>
+                <a:p>
+                  <a:r>
+                    <a:rPr kumimoji="1" lang="en-US" altLang="ja-JP" sz="2400" dirty="0" smtClean="0"/>
+                    <a:t>:</a:t>
+                  </a:r>
+                  <a:r>
+                    <a:rPr kumimoji="1" lang="ja-JP" altLang="en-US" sz="2400" dirty="0" smtClean="0"/>
+                    <a:t>タスク</a:t>
+                  </a:r>
+                  <a:r>
+                    <a:rPr lang="en-US" altLang="ja-JP" sz="2400" dirty="0"/>
+                    <a:t>2</a:t>
+                  </a:r>
+                  <a:r>
+                    <a:rPr kumimoji="1" lang="ja-JP" altLang="en-US" sz="2400" dirty="0" smtClean="0"/>
+                    <a:t>の個体</a:t>
+                  </a:r>
+                </a:p>
+              </p:txBody>
+            </p:sp>
+          </p:grpSp>
+        </p:grpSp>
+        <p:sp>
+          <p:nvSpPr>
+            <p:cNvPr id="34" name="正方形/長方形 33"/>
+            <p:cNvSpPr/>
+            <p:nvPr/>
+          </p:nvSpPr>
+          <p:spPr>
+            <a:xfrm>
+              <a:off x="6609731" y="3254696"/>
+              <a:ext cx="2767595" cy="983419"/>
+            </a:xfrm>
+            <a:prstGeom prst="rect">
+              <a:avLst/>
+            </a:prstGeom>
+            <a:noFill/>
+            <a:ln w="28575">
+              <a:solidFill>
+                <a:schemeClr val="tx1"/>
+              </a:solidFill>
+              <a:prstDash val="sysDash"/>
+            </a:ln>
+          </p:spPr>
+          <p:style>
+            <a:lnRef idx="2">
+              <a:schemeClr val="accent1">
+                <a:shade val="50000"/>
+              </a:schemeClr>
+            </a:lnRef>
+            <a:fillRef idx="1">
+              <a:schemeClr val="accent1"/>
+            </a:fillRef>
+            <a:effectRef idx="0">
+              <a:schemeClr val="accent1"/>
+            </a:effectRef>
+            <a:fontRef idx="minor">
+              <a:schemeClr val="lt1"/>
+            </a:fontRef>
+          </p:style>
+          <p:txBody>
+            <a:bodyPr rtlCol="0" anchor="ctr"/>
+            <a:lstStyle/>
+            <a:p>
+              <a:pPr algn="ctr"/>
+              <a:endParaRPr kumimoji="1" lang="ja-JP" altLang="en-US"/>
+            </a:p>
+          </p:txBody>
+        </p:sp>
+      </p:grpSp>
     </p:spTree>
     <p:extLst>
       <p:ext uri="{BB962C8B-B14F-4D97-AF65-F5344CB8AC3E}">
@@ -16004,6 +15733,13 @@
   <p:clrMapOvr>
     <a:masterClrMapping/>
   </p:clrMapOvr>
+  <p:timing>
+    <p:tnLst>
+      <p:par>
+        <p:cTn id="1" dur="indefinite" restart="never" nodeType="tmRoot"/>
+      </p:par>
+    </p:tnLst>
+  </p:timing>
 </p:sld>
 </file>
 
@@ -18863,6 +18599,13 @@
   <p:clrMapOvr>
     <a:masterClrMapping/>
   </p:clrMapOvr>
+  <p:timing>
+    <p:tnLst>
+      <p:par>
+        <p:cTn id="1" dur="indefinite" restart="never" nodeType="tmRoot"/>
+      </p:par>
+    </p:tnLst>
+  </p:timing>
 </p:sld>
 </file>
 
@@ -19004,7 +18747,7 @@
         </p:nvGrpSpPr>
         <p:grpSpPr>
           <a:xfrm>
-            <a:off x="1447076" y="3569255"/>
+            <a:off x="1447076" y="3747055"/>
             <a:ext cx="478301" cy="1395291"/>
             <a:chOff x="4896723" y="3752124"/>
             <a:chExt cx="478301" cy="1395291"/>
@@ -19111,7 +18854,7 @@
         </p:nvGrpSpPr>
         <p:grpSpPr>
           <a:xfrm>
-            <a:off x="1827030" y="3977508"/>
+            <a:off x="1827030" y="4155308"/>
             <a:ext cx="2988829" cy="1417908"/>
             <a:chOff x="2708496" y="4405530"/>
             <a:chExt cx="2988829" cy="1417908"/>
@@ -19233,8 +18976,8 @@
           <p:nvPr/>
         </p:nvGrpSpPr>
         <p:grpSpPr>
-          <a:xfrm>
-            <a:off x="6303499" y="3569255"/>
+          <a:xfrm rot="10800000">
+            <a:off x="6303499" y="3747055"/>
             <a:ext cx="478301" cy="1395291"/>
             <a:chOff x="4896723" y="3752124"/>
             <a:chExt cx="478301" cy="1395291"/>
@@ -19341,7 +19084,7 @@
         </p:nvGrpSpPr>
         <p:grpSpPr>
           <a:xfrm>
-            <a:off x="4727598" y="3569255"/>
+            <a:off x="4727598" y="3747055"/>
             <a:ext cx="478301" cy="1395291"/>
             <a:chOff x="4896723" y="3752124"/>
             <a:chExt cx="478301" cy="1395291"/>
@@ -19448,7 +19191,7 @@
         </p:nvGrpSpPr>
         <p:grpSpPr>
           <a:xfrm>
-            <a:off x="5485916" y="3524336"/>
+            <a:off x="5485916" y="3702136"/>
             <a:ext cx="537567" cy="1440210"/>
             <a:chOff x="4785233" y="3524336"/>
             <a:chExt cx="537567" cy="1440210"/>
@@ -19521,6 +19264,293 @@
           </p:txBody>
         </p:sp>
       </p:grpSp>
+      <p:grpSp>
+        <p:nvGrpSpPr>
+          <p:cNvPr id="24" name="グループ化 23"/>
+          <p:cNvGrpSpPr/>
+          <p:nvPr/>
+        </p:nvGrpSpPr>
+        <p:grpSpPr>
+          <a:xfrm>
+            <a:off x="6200079" y="2592448"/>
+            <a:ext cx="2767595" cy="983419"/>
+            <a:chOff x="6609731" y="3254696"/>
+            <a:chExt cx="2767595" cy="983419"/>
+          </a:xfrm>
+        </p:grpSpPr>
+        <p:grpSp>
+          <p:nvGrpSpPr>
+            <p:cNvPr id="26" name="グループ化 25"/>
+            <p:cNvGrpSpPr/>
+            <p:nvPr/>
+          </p:nvGrpSpPr>
+          <p:grpSpPr>
+            <a:xfrm>
+              <a:off x="6746212" y="3286290"/>
+              <a:ext cx="2494633" cy="920230"/>
+              <a:chOff x="6806714" y="3317885"/>
+              <a:chExt cx="2494633" cy="920230"/>
+            </a:xfrm>
+          </p:grpSpPr>
+          <p:grpSp>
+            <p:nvGrpSpPr>
+              <p:cNvPr id="29" name="グループ化 28"/>
+              <p:cNvGrpSpPr/>
+              <p:nvPr/>
+            </p:nvGrpSpPr>
+            <p:grpSpPr>
+              <a:xfrm>
+                <a:off x="6806714" y="3317885"/>
+                <a:ext cx="2494633" cy="461665"/>
+                <a:chOff x="6806714" y="3317885"/>
+                <a:chExt cx="2494633" cy="461665"/>
+              </a:xfrm>
+            </p:grpSpPr>
+            <p:sp>
+              <p:nvSpPr>
+                <p:cNvPr id="33" name="円/楕円 32"/>
+                <p:cNvSpPr/>
+                <p:nvPr/>
+              </p:nvSpPr>
+              <p:spPr>
+                <a:xfrm>
+                  <a:off x="6806714" y="3357778"/>
+                  <a:ext cx="381878" cy="381878"/>
+                </a:xfrm>
+                <a:prstGeom prst="ellipse">
+                  <a:avLst/>
+                </a:prstGeom>
+                <a:solidFill>
+                  <a:schemeClr val="accent1"/>
+                </a:solidFill>
+                <a:ln>
+                  <a:noFill/>
+                </a:ln>
+              </p:spPr>
+              <p:style>
+                <a:lnRef idx="2">
+                  <a:schemeClr val="accent1">
+                    <a:shade val="50000"/>
+                  </a:schemeClr>
+                </a:lnRef>
+                <a:fillRef idx="1">
+                  <a:schemeClr val="accent1"/>
+                </a:fillRef>
+                <a:effectRef idx="0">
+                  <a:schemeClr val="accent1"/>
+                </a:effectRef>
+                <a:fontRef idx="minor">
+                  <a:schemeClr val="lt1"/>
+                </a:fontRef>
+              </p:style>
+              <p:txBody>
+                <a:bodyPr rtlCol="0" anchor="ctr"/>
+                <a:lstStyle/>
+                <a:p>
+                  <a:pPr algn="ctr"/>
+                  <a:endParaRPr kumimoji="1" lang="ja-JP" altLang="en-US"/>
+                </a:p>
+              </p:txBody>
+            </p:sp>
+            <p:sp>
+              <p:nvSpPr>
+                <p:cNvPr id="34" name="テキスト ボックス 33"/>
+                <p:cNvSpPr txBox="1"/>
+                <p:nvPr/>
+              </p:nvSpPr>
+              <p:spPr>
+                <a:xfrm>
+                  <a:off x="7188593" y="3317885"/>
+                  <a:ext cx="2112754" cy="461665"/>
+                </a:xfrm>
+                <a:prstGeom prst="rect">
+                  <a:avLst/>
+                </a:prstGeom>
+                <a:noFill/>
+                <a:ln w="19050">
+                  <a:noFill/>
+                </a:ln>
+              </p:spPr>
+              <p:txBody>
+                <a:bodyPr wrap="square" rtlCol="0">
+                  <a:spAutoFit/>
+                </a:bodyPr>
+                <a:lstStyle/>
+                <a:p>
+                  <a:r>
+                    <a:rPr kumimoji="1" lang="en-US" altLang="ja-JP" sz="2400" dirty="0" smtClean="0"/>
+                    <a:t>:</a:t>
+                  </a:r>
+                  <a:r>
+                    <a:rPr kumimoji="1" lang="ja-JP" altLang="en-US" sz="2400" dirty="0" smtClean="0"/>
+                    <a:t>タスク</a:t>
+                  </a:r>
+                  <a:r>
+                    <a:rPr kumimoji="1" lang="en-US" altLang="ja-JP" sz="2400" dirty="0" smtClean="0"/>
+                    <a:t>1</a:t>
+                  </a:r>
+                  <a:r>
+                    <a:rPr kumimoji="1" lang="ja-JP" altLang="en-US" sz="2400" dirty="0" smtClean="0"/>
+                    <a:t>の個体</a:t>
+                  </a:r>
+                </a:p>
+              </p:txBody>
+            </p:sp>
+          </p:grpSp>
+          <p:grpSp>
+            <p:nvGrpSpPr>
+              <p:cNvPr id="30" name="グループ化 29"/>
+              <p:cNvGrpSpPr/>
+              <p:nvPr/>
+            </p:nvGrpSpPr>
+            <p:grpSpPr>
+              <a:xfrm>
+                <a:off x="6806714" y="3776450"/>
+                <a:ext cx="2494633" cy="461665"/>
+                <a:chOff x="6806714" y="3317885"/>
+                <a:chExt cx="2494633" cy="461665"/>
+              </a:xfrm>
+            </p:grpSpPr>
+            <p:sp>
+              <p:nvSpPr>
+                <p:cNvPr id="31" name="円/楕円 30"/>
+                <p:cNvSpPr/>
+                <p:nvPr/>
+              </p:nvSpPr>
+              <p:spPr>
+                <a:xfrm>
+                  <a:off x="6806714" y="3357778"/>
+                  <a:ext cx="381878" cy="381878"/>
+                </a:xfrm>
+                <a:prstGeom prst="ellipse">
+                  <a:avLst/>
+                </a:prstGeom>
+                <a:solidFill>
+                  <a:schemeClr val="accent2"/>
+                </a:solidFill>
+                <a:ln>
+                  <a:noFill/>
+                </a:ln>
+              </p:spPr>
+              <p:style>
+                <a:lnRef idx="2">
+                  <a:schemeClr val="accent1">
+                    <a:shade val="50000"/>
+                  </a:schemeClr>
+                </a:lnRef>
+                <a:fillRef idx="1">
+                  <a:schemeClr val="accent1"/>
+                </a:fillRef>
+                <a:effectRef idx="0">
+                  <a:schemeClr val="accent1"/>
+                </a:effectRef>
+                <a:fontRef idx="minor">
+                  <a:schemeClr val="lt1"/>
+                </a:fontRef>
+              </p:style>
+              <p:txBody>
+                <a:bodyPr rtlCol="0" anchor="ctr"/>
+                <a:lstStyle/>
+                <a:p>
+                  <a:pPr algn="ctr"/>
+                  <a:endParaRPr kumimoji="1" lang="ja-JP" altLang="en-US"/>
+                </a:p>
+              </p:txBody>
+            </p:sp>
+            <p:sp>
+              <p:nvSpPr>
+                <p:cNvPr id="32" name="テキスト ボックス 31"/>
+                <p:cNvSpPr txBox="1"/>
+                <p:nvPr/>
+              </p:nvSpPr>
+              <p:spPr>
+                <a:xfrm>
+                  <a:off x="7188593" y="3317885"/>
+                  <a:ext cx="2112754" cy="461665"/>
+                </a:xfrm>
+                <a:prstGeom prst="rect">
+                  <a:avLst/>
+                </a:prstGeom>
+                <a:noFill/>
+                <a:ln w="19050">
+                  <a:noFill/>
+                </a:ln>
+              </p:spPr>
+              <p:txBody>
+                <a:bodyPr wrap="square" rtlCol="0">
+                  <a:spAutoFit/>
+                </a:bodyPr>
+                <a:lstStyle/>
+                <a:p>
+                  <a:r>
+                    <a:rPr kumimoji="1" lang="en-US" altLang="ja-JP" sz="2400" dirty="0" smtClean="0"/>
+                    <a:t>:</a:t>
+                  </a:r>
+                  <a:r>
+                    <a:rPr kumimoji="1" lang="ja-JP" altLang="en-US" sz="2400" dirty="0" smtClean="0"/>
+                    <a:t>タスク</a:t>
+                  </a:r>
+                  <a:r>
+                    <a:rPr lang="en-US" altLang="ja-JP" sz="2400" dirty="0"/>
+                    <a:t>2</a:t>
+                  </a:r>
+                  <a:r>
+                    <a:rPr kumimoji="1" lang="ja-JP" altLang="en-US" sz="2400" dirty="0" smtClean="0"/>
+                    <a:t>の個体</a:t>
+                  </a:r>
+                </a:p>
+              </p:txBody>
+            </p:sp>
+          </p:grpSp>
+        </p:grpSp>
+        <p:sp>
+          <p:nvSpPr>
+            <p:cNvPr id="28" name="正方形/長方形 27"/>
+            <p:cNvSpPr/>
+            <p:nvPr/>
+          </p:nvSpPr>
+          <p:spPr>
+            <a:xfrm>
+              <a:off x="6609731" y="3254696"/>
+              <a:ext cx="2767595" cy="983419"/>
+            </a:xfrm>
+            <a:prstGeom prst="rect">
+              <a:avLst/>
+            </a:prstGeom>
+            <a:noFill/>
+            <a:ln w="28575">
+              <a:solidFill>
+                <a:schemeClr val="tx1"/>
+              </a:solidFill>
+              <a:prstDash val="sysDash"/>
+            </a:ln>
+          </p:spPr>
+          <p:style>
+            <a:lnRef idx="2">
+              <a:schemeClr val="accent1">
+                <a:shade val="50000"/>
+              </a:schemeClr>
+            </a:lnRef>
+            <a:fillRef idx="1">
+              <a:schemeClr val="accent1"/>
+            </a:fillRef>
+            <a:effectRef idx="0">
+              <a:schemeClr val="accent1"/>
+            </a:effectRef>
+            <a:fontRef idx="minor">
+              <a:schemeClr val="lt1"/>
+            </a:fontRef>
+          </p:style>
+          <p:txBody>
+            <a:bodyPr rtlCol="0" anchor="ctr"/>
+            <a:lstStyle/>
+            <a:p>
+              <a:pPr algn="ctr"/>
+              <a:endParaRPr kumimoji="1" lang="ja-JP" altLang="en-US"/>
+            </a:p>
+          </p:txBody>
+        </p:sp>
+      </p:grpSp>
     </p:spTree>
     <p:extLst>
       <p:ext uri="{BB962C8B-B14F-4D97-AF65-F5344CB8AC3E}">
@@ -19531,6 +19561,13 @@
   <p:clrMapOvr>
     <a:masterClrMapping/>
   </p:clrMapOvr>
+  <p:timing>
+    <p:tnLst>
+      <p:par>
+        <p:cTn id="1" dur="indefinite" restart="never" nodeType="tmRoot"/>
+      </p:par>
+    </p:tnLst>
+  </p:timing>
 </p:sld>
 </file>
 
